--- a/My first AI.pptx
+++ b/My first AI.pptx
@@ -5,10 +5,10 @@
     <p:sldMasterId id="2147483716" r:id="rId1"/>
   </p:sldMasterIdLst>
   <p:notesMasterIdLst>
-    <p:notesMasterId r:id="rId21"/>
+    <p:notesMasterId r:id="rId22"/>
   </p:notesMasterIdLst>
   <p:handoutMasterIdLst>
-    <p:handoutMasterId r:id="rId22"/>
+    <p:handoutMasterId r:id="rId23"/>
   </p:handoutMasterIdLst>
   <p:sldIdLst>
     <p:sldId id="257" r:id="rId2"/>
@@ -23,13 +23,14 @@
     <p:sldId id="398" r:id="rId11"/>
     <p:sldId id="399" r:id="rId12"/>
     <p:sldId id="400" r:id="rId13"/>
-    <p:sldId id="402" r:id="rId14"/>
-    <p:sldId id="403" r:id="rId15"/>
-    <p:sldId id="405" r:id="rId16"/>
-    <p:sldId id="407" r:id="rId17"/>
-    <p:sldId id="406" r:id="rId18"/>
-    <p:sldId id="408" r:id="rId19"/>
-    <p:sldId id="273" r:id="rId20"/>
+    <p:sldId id="410" r:id="rId14"/>
+    <p:sldId id="402" r:id="rId15"/>
+    <p:sldId id="403" r:id="rId16"/>
+    <p:sldId id="405" r:id="rId17"/>
+    <p:sldId id="407" r:id="rId18"/>
+    <p:sldId id="406" r:id="rId19"/>
+    <p:sldId id="408" r:id="rId20"/>
+    <p:sldId id="273" r:id="rId21"/>
   </p:sldIdLst>
   <p:sldSz cx="12192000" cy="6858000"/>
   <p:notesSz cx="6797675" cy="9928225"/>
@@ -3390,7 +3391,7 @@
             <a:fld id="{D54788D9-5904-4BC6-A7ED-AC9F7E9ADE63}" type="datetimeFigureOut">
               <a:rPr lang="cs-CZ" smtClean="0"/>
               <a:pPr/>
-              <a:t>06.09.2018</a:t>
+              <a:t>07.09.2018</a:t>
             </a:fld>
             <a:endParaRPr lang="cs-CZ"/>
           </a:p>
@@ -3557,7 +3558,7 @@
             <a:fld id="{6373D1E8-A7B3-4CF4-8A66-94AD6703CB68}" type="datetimeFigureOut">
               <a:rPr lang="cs-CZ" smtClean="0"/>
               <a:pPr/>
-              <a:t>06.09.2018</a:t>
+              <a:t>07.09.2018</a:t>
             </a:fld>
             <a:endParaRPr lang="cs-CZ"/>
           </a:p>
@@ -4174,7 +4175,7 @@
             <a:fld id="{7A482472-B188-4E4C-B950-D556C39B9DE9}" type="slidenum">
               <a:rPr lang="cs-CZ" smtClean="0"/>
               <a:pPr/>
-              <a:t>19</a:t>
+              <a:t>20</a:t>
             </a:fld>
             <a:endParaRPr lang="cs-CZ"/>
           </a:p>
@@ -4340,7 +4341,7 @@
           <a:p>
             <a:fld id="{4EDFE384-5A1D-4B06-9343-EEF6DC5BAD1C}" type="datetimeFigureOut">
               <a:rPr lang="cs-CZ" smtClean="0"/>
-              <a:t>06.09.2018</a:t>
+              <a:t>07.09.2018</a:t>
             </a:fld>
             <a:endParaRPr lang="cs-CZ"/>
           </a:p>
@@ -4663,7 +4664,7 @@
           <a:p>
             <a:fld id="{4EDFE384-5A1D-4B06-9343-EEF6DC5BAD1C}" type="datetimeFigureOut">
               <a:rPr lang="cs-CZ" smtClean="0"/>
-              <a:t>06.09.2018</a:t>
+              <a:t>07.09.2018</a:t>
             </a:fld>
             <a:endParaRPr lang="cs-CZ"/>
           </a:p>
@@ -4873,7 +4874,7 @@
           <a:p>
             <a:fld id="{4EDFE384-5A1D-4B06-9343-EEF6DC5BAD1C}" type="datetimeFigureOut">
               <a:rPr lang="cs-CZ" smtClean="0"/>
-              <a:t>06.09.2018</a:t>
+              <a:t>07.09.2018</a:t>
             </a:fld>
             <a:endParaRPr lang="cs-CZ"/>
           </a:p>
@@ -5893,7 +5894,7 @@
           <a:p>
             <a:fld id="{4EDFE384-5A1D-4B06-9343-EEF6DC5BAD1C}" type="datetimeFigureOut">
               <a:rPr lang="cs-CZ" smtClean="0"/>
-              <a:t>06.09.2018</a:t>
+              <a:t>07.09.2018</a:t>
             </a:fld>
             <a:endParaRPr lang="cs-CZ"/>
           </a:p>
@@ -6170,7 +6171,7 @@
           <a:p>
             <a:fld id="{4EDFE384-5A1D-4B06-9343-EEF6DC5BAD1C}" type="datetimeFigureOut">
               <a:rPr lang="cs-CZ" smtClean="0"/>
-              <a:t>06.09.2018</a:t>
+              <a:t>07.09.2018</a:t>
             </a:fld>
             <a:endParaRPr lang="cs-CZ"/>
           </a:p>
@@ -6437,7 +6438,7 @@
           <a:p>
             <a:fld id="{4EDFE384-5A1D-4B06-9343-EEF6DC5BAD1C}" type="datetimeFigureOut">
               <a:rPr lang="cs-CZ" smtClean="0"/>
-              <a:t>06.09.2018</a:t>
+              <a:t>07.09.2018</a:t>
             </a:fld>
             <a:endParaRPr lang="cs-CZ"/>
           </a:p>
@@ -6849,7 +6850,7 @@
           <a:p>
             <a:fld id="{4EDFE384-5A1D-4B06-9343-EEF6DC5BAD1C}" type="datetimeFigureOut">
               <a:rPr lang="cs-CZ" smtClean="0"/>
-              <a:t>06.09.2018</a:t>
+              <a:t>07.09.2018</a:t>
             </a:fld>
             <a:endParaRPr lang="cs-CZ"/>
           </a:p>
@@ -6992,7 +6993,7 @@
           <a:p>
             <a:fld id="{4EDFE384-5A1D-4B06-9343-EEF6DC5BAD1C}" type="datetimeFigureOut">
               <a:rPr lang="cs-CZ" smtClean="0"/>
-              <a:t>06.09.2018</a:t>
+              <a:t>07.09.2018</a:t>
             </a:fld>
             <a:endParaRPr lang="cs-CZ"/>
           </a:p>
@@ -7107,7 +7108,7 @@
           <a:p>
             <a:fld id="{4EDFE384-5A1D-4B06-9343-EEF6DC5BAD1C}" type="datetimeFigureOut">
               <a:rPr lang="cs-CZ" smtClean="0"/>
-              <a:t>06.09.2018</a:t>
+              <a:t>07.09.2018</a:t>
             </a:fld>
             <a:endParaRPr lang="cs-CZ"/>
           </a:p>
@@ -7418,7 +7419,7 @@
           <a:p>
             <a:fld id="{4EDFE384-5A1D-4B06-9343-EEF6DC5BAD1C}" type="datetimeFigureOut">
               <a:rPr lang="cs-CZ" smtClean="0"/>
-              <a:t>06.09.2018</a:t>
+              <a:t>07.09.2018</a:t>
             </a:fld>
             <a:endParaRPr lang="cs-CZ"/>
           </a:p>
@@ -7708,7 +7709,7 @@
           <a:p>
             <a:fld id="{4EDFE384-5A1D-4B06-9343-EEF6DC5BAD1C}" type="datetimeFigureOut">
               <a:rPr lang="cs-CZ" smtClean="0"/>
-              <a:t>06.09.2018</a:t>
+              <a:t>07.09.2018</a:t>
             </a:fld>
             <a:endParaRPr lang="cs-CZ"/>
           </a:p>
@@ -7951,7 +7952,7 @@
           <a:p>
             <a:fld id="{4EDFE384-5A1D-4B06-9343-EEF6DC5BAD1C}" type="datetimeFigureOut">
               <a:rPr lang="cs-CZ" smtClean="0"/>
-              <a:t>06.09.2018</a:t>
+              <a:t>07.09.2018</a:t>
             </a:fld>
             <a:endParaRPr lang="cs-CZ"/>
           </a:p>
@@ -9392,7 +9393,7 @@
           <p:cNvPr id="2" name="Nadpis 1">
             <a:extLst>
               <a:ext uri="{FF2B5EF4-FFF2-40B4-BE49-F238E27FC236}">
-                <a16:creationId xmlns:a16="http://schemas.microsoft.com/office/drawing/2014/main" id="{9E41567B-E577-43B2-A2B3-26B6AD2D587E}"/>
+                <a16:creationId xmlns:a16="http://schemas.microsoft.com/office/drawing/2014/main" id="{6875BCE2-2C41-4AC4-A078-3CB94CCC133D}"/>
               </a:ext>
             </a:extLst>
           </p:cNvPr>
@@ -9409,16 +9410,107 @@
           <a:lstStyle/>
           <a:p>
             <a:r>
+              <a:rPr lang="en-US" dirty="0" err="1"/>
+              <a:t>Vizualizace</a:t>
+            </a:r>
+            <a:r>
+              <a:rPr lang="en-US" dirty="0"/>
+              <a:t> </a:t>
+            </a:r>
+            <a:r>
+              <a:rPr lang="en-US" dirty="0" err="1"/>
+              <a:t>procesu</a:t>
+            </a:r>
+            <a:r>
+              <a:rPr lang="en-US" dirty="0"/>
+              <a:t> u</a:t>
+            </a:r>
+            <a:r>
+              <a:rPr lang="cs-CZ" dirty="0" err="1"/>
+              <a:t>čení</a:t>
+            </a:r>
+            <a:endParaRPr lang="cs-CZ" dirty="0"/>
+          </a:p>
+        </p:txBody>
+      </p:sp>
+      <p:sp>
+        <p:nvSpPr>
+          <p:cNvPr id="3" name="Zástupný symbol pro obsah 2">
+            <a:extLst>
+              <a:ext uri="{FF2B5EF4-FFF2-40B4-BE49-F238E27FC236}">
+                <a16:creationId xmlns:a16="http://schemas.microsoft.com/office/drawing/2014/main" id="{C8BD3962-7F83-4CD5-834A-6044C82E6D3F}"/>
+              </a:ext>
+            </a:extLst>
+          </p:cNvPr>
+          <p:cNvSpPr>
+            <a:spLocks noGrp="1"/>
+          </p:cNvSpPr>
+          <p:nvPr>
+            <p:ph idx="1"/>
+          </p:nvPr>
+        </p:nvSpPr>
+        <p:spPr/>
+        <p:txBody>
+          <a:bodyPr/>
+          <a:lstStyle/>
+          <a:p>
+            <a:r>
+              <a:rPr lang="cs-CZ" dirty="0">
+                <a:hlinkClick r:id="rId2"/>
+              </a:rPr>
+              <a:t>http://www.r2d3.us/visual-intro-to-machine-learning-part-1/</a:t>
+            </a:r>
+            <a:r>
               <a:rPr lang="cs-CZ" dirty="0"/>
-              <a:t>Praktické použití</a:t>
-            </a:r>
+              <a:t> </a:t>
+            </a:r>
+          </a:p>
+          <a:p>
+            <a:endParaRPr lang="cs-CZ" dirty="0"/>
+          </a:p>
+          <a:p>
+            <a:r>
+              <a:rPr lang="cs-CZ" dirty="0">
+                <a:hlinkClick r:id="rId3"/>
+              </a:rPr>
+              <a:t>https://playground.tensorflow.org/</a:t>
+            </a:r>
+            <a:endParaRPr lang="cs-CZ" dirty="0"/>
+          </a:p>
+          <a:p>
+            <a:endParaRPr lang="cs-CZ" dirty="0"/>
+          </a:p>
+        </p:txBody>
+      </p:sp>
+      <p:sp>
+        <p:nvSpPr>
+          <p:cNvPr id="4" name="Zástupný symbol pro zápatí 3">
+            <a:extLst>
+              <a:ext uri="{FF2B5EF4-FFF2-40B4-BE49-F238E27FC236}">
+                <a16:creationId xmlns:a16="http://schemas.microsoft.com/office/drawing/2014/main" id="{E7E45AE7-2D0E-49E7-BB16-72E20CC6BC8A}"/>
+              </a:ext>
+            </a:extLst>
+          </p:cNvPr>
+          <p:cNvSpPr>
+            <a:spLocks noGrp="1"/>
+          </p:cNvSpPr>
+          <p:nvPr>
+            <p:ph type="ftr" sz="quarter" idx="11"/>
+          </p:nvPr>
+        </p:nvSpPr>
+        <p:spPr/>
+        <p:txBody>
+          <a:bodyPr/>
+          <a:lstStyle/>
+          <a:p>
+            <a:endParaRPr lang="cs-CZ"/>
           </a:p>
         </p:txBody>
       </p:sp>
     </p:spTree>
     <p:extLst>
       <p:ext uri="{BB962C8B-B14F-4D97-AF65-F5344CB8AC3E}">
-        <p14:creationId xmlns:p14="http://schemas.microsoft.com/office/powerpoint/2010/main" val="4197026629"/>
+        <p14:creationId xmlns:p14="http://schemas.microsoft.com/office/powerpoint/2010/main" val="3977729156"/>
       </p:ext>
     </p:extLst>
   </p:cSld>
@@ -9450,6 +9542,64 @@
           <p:cNvPr id="2" name="Nadpis 1">
             <a:extLst>
               <a:ext uri="{FF2B5EF4-FFF2-40B4-BE49-F238E27FC236}">
+                <a16:creationId xmlns:a16="http://schemas.microsoft.com/office/drawing/2014/main" id="{9E41567B-E577-43B2-A2B3-26B6AD2D587E}"/>
+              </a:ext>
+            </a:extLst>
+          </p:cNvPr>
+          <p:cNvSpPr>
+            <a:spLocks noGrp="1"/>
+          </p:cNvSpPr>
+          <p:nvPr>
+            <p:ph type="title"/>
+          </p:nvPr>
+        </p:nvSpPr>
+        <p:spPr/>
+        <p:txBody>
+          <a:bodyPr/>
+          <a:lstStyle/>
+          <a:p>
+            <a:r>
+              <a:rPr lang="cs-CZ" dirty="0"/>
+              <a:t>Praktické použití</a:t>
+            </a:r>
+          </a:p>
+        </p:txBody>
+      </p:sp>
+    </p:spTree>
+    <p:extLst>
+      <p:ext uri="{BB962C8B-B14F-4D97-AF65-F5344CB8AC3E}">
+        <p14:creationId xmlns:p14="http://schemas.microsoft.com/office/powerpoint/2010/main" val="4197026629"/>
+      </p:ext>
+    </p:extLst>
+  </p:cSld>
+  <p:clrMapOvr>
+    <a:masterClrMapping/>
+  </p:clrMapOvr>
+</p:sld>
+</file>
+
+<file path=ppt/slides/slide15.xml><?xml version="1.0" encoding="utf-8"?>
+<p:sld xmlns:a="http://schemas.openxmlformats.org/drawingml/2006/main" xmlns:r="http://schemas.openxmlformats.org/officeDocument/2006/relationships" xmlns:p="http://schemas.openxmlformats.org/presentationml/2006/main">
+  <p:cSld>
+    <p:spTree>
+      <p:nvGrpSpPr>
+        <p:cNvPr id="1" name=""/>
+        <p:cNvGrpSpPr/>
+        <p:nvPr/>
+      </p:nvGrpSpPr>
+      <p:grpSpPr>
+        <a:xfrm>
+          <a:off x="0" y="0"/>
+          <a:ext cx="0" cy="0"/>
+          <a:chOff x="0" y="0"/>
+          <a:chExt cx="0" cy="0"/>
+        </a:xfrm>
+      </p:grpSpPr>
+      <p:sp>
+        <p:nvSpPr>
+          <p:cNvPr id="2" name="Nadpis 1">
+            <a:extLst>
+              <a:ext uri="{FF2B5EF4-FFF2-40B4-BE49-F238E27FC236}">
                 <a16:creationId xmlns:a16="http://schemas.microsoft.com/office/drawing/2014/main" id="{1571C896-C61C-4A2F-869C-C836C64E5C27}"/>
               </a:ext>
             </a:extLst>
@@ -9643,7 +9793,7 @@
 </p:sld>
 </file>
 
-<file path=ppt/slides/slide15.xml><?xml version="1.0" encoding="utf-8"?>
+<file path=ppt/slides/slide16.xml><?xml version="1.0" encoding="utf-8"?>
 <p:sld xmlns:a="http://schemas.openxmlformats.org/drawingml/2006/main" xmlns:r="http://schemas.openxmlformats.org/officeDocument/2006/relationships" xmlns:p="http://schemas.openxmlformats.org/presentationml/2006/main">
   <p:cSld>
     <p:bg>
@@ -10048,7 +10198,7 @@
 </p:sld>
 </file>
 
-<file path=ppt/slides/slide16.xml><?xml version="1.0" encoding="utf-8"?>
+<file path=ppt/slides/slide17.xml><?xml version="1.0" encoding="utf-8"?>
 <p:sld xmlns:a="http://schemas.openxmlformats.org/drawingml/2006/main" xmlns:r="http://schemas.openxmlformats.org/officeDocument/2006/relationships" xmlns:p="http://schemas.openxmlformats.org/presentationml/2006/main">
   <p:cSld>
     <p:spTree>
@@ -10200,7 +10350,7 @@
 </p:sld>
 </file>
 
-<file path=ppt/slides/slide17.xml><?xml version="1.0" encoding="utf-8"?>
+<file path=ppt/slides/slide18.xml><?xml version="1.0" encoding="utf-8"?>
 <p:sld xmlns:a="http://schemas.openxmlformats.org/drawingml/2006/main" xmlns:r="http://schemas.openxmlformats.org/officeDocument/2006/relationships" xmlns:p="http://schemas.openxmlformats.org/presentationml/2006/main">
   <p:cSld>
     <p:bg>
@@ -10363,148 +10513,6 @@
 </p:sld>
 </file>
 
-<file path=ppt/slides/slide18.xml><?xml version="1.0" encoding="utf-8"?>
-<p:sld xmlns:a="http://schemas.openxmlformats.org/drawingml/2006/main" xmlns:r="http://schemas.openxmlformats.org/officeDocument/2006/relationships" xmlns:p="http://schemas.openxmlformats.org/presentationml/2006/main">
-  <p:cSld>
-    <p:spTree>
-      <p:nvGrpSpPr>
-        <p:cNvPr id="1" name=""/>
-        <p:cNvGrpSpPr/>
-        <p:nvPr/>
-      </p:nvGrpSpPr>
-      <p:grpSpPr>
-        <a:xfrm>
-          <a:off x="0" y="0"/>
-          <a:ext cx="0" cy="0"/>
-          <a:chOff x="0" y="0"/>
-          <a:chExt cx="0" cy="0"/>
-        </a:xfrm>
-      </p:grpSpPr>
-      <p:sp>
-        <p:nvSpPr>
-          <p:cNvPr id="2" name="Nadpis 1">
-            <a:extLst>
-              <a:ext uri="{FF2B5EF4-FFF2-40B4-BE49-F238E27FC236}">
-                <a16:creationId xmlns:a16="http://schemas.microsoft.com/office/drawing/2014/main" id="{52F99E0B-077F-405B-8955-1642989CA83A}"/>
-              </a:ext>
-            </a:extLst>
-          </p:cNvPr>
-          <p:cNvSpPr>
-            <a:spLocks noGrp="1"/>
-          </p:cNvSpPr>
-          <p:nvPr>
-            <p:ph type="title"/>
-          </p:nvPr>
-        </p:nvSpPr>
-        <p:spPr/>
-        <p:txBody>
-          <a:bodyPr/>
-          <a:lstStyle/>
-          <a:p>
-            <a:r>
-              <a:rPr lang="cs-CZ" dirty="0"/>
-              <a:t>Úkol:</a:t>
-            </a:r>
-          </a:p>
-        </p:txBody>
-      </p:sp>
-      <p:sp>
-        <p:nvSpPr>
-          <p:cNvPr id="3" name="Zástupný symbol pro obsah 2">
-            <a:extLst>
-              <a:ext uri="{FF2B5EF4-FFF2-40B4-BE49-F238E27FC236}">
-                <a16:creationId xmlns:a16="http://schemas.microsoft.com/office/drawing/2014/main" id="{54BC1C07-78DA-43D6-9569-2A4F2851089D}"/>
-              </a:ext>
-            </a:extLst>
-          </p:cNvPr>
-          <p:cNvSpPr>
-            <a:spLocks noGrp="1"/>
-          </p:cNvSpPr>
-          <p:nvPr>
-            <p:ph idx="1"/>
-          </p:nvPr>
-        </p:nvSpPr>
-        <p:spPr/>
-        <p:txBody>
-          <a:bodyPr/>
-          <a:lstStyle/>
-          <a:p>
-            <a:r>
-              <a:rPr lang="cs-CZ" dirty="0"/>
-              <a:t>Stáhněte se </a:t>
-            </a:r>
-            <a:r>
-              <a:rPr lang="cs-CZ" dirty="0" err="1"/>
-              <a:t>excel</a:t>
-            </a:r>
-            <a:r>
-              <a:rPr lang="cs-CZ" dirty="0"/>
-              <a:t> s výsledky názorové ankety mezi týmy </a:t>
-            </a:r>
-            <a:r>
-              <a:rPr lang="cs-CZ" dirty="0" err="1"/>
-              <a:t>Etnetera</a:t>
-            </a:r>
-            <a:r>
-              <a:rPr lang="cs-CZ" dirty="0"/>
-              <a:t> Group</a:t>
-            </a:r>
-          </a:p>
-          <a:p>
-            <a:endParaRPr lang="cs-CZ" dirty="0"/>
-          </a:p>
-          <a:p>
-            <a:r>
-              <a:rPr lang="cs-CZ" dirty="0"/>
-              <a:t>Pokuste se vytvořit klasifikační síť, která nového uchazeče zařadí do jedné z firem.</a:t>
-            </a:r>
-          </a:p>
-          <a:p>
-            <a:pPr marL="0" indent="0">
-              <a:buNone/>
-            </a:pPr>
-            <a:endParaRPr lang="cs-CZ" dirty="0"/>
-          </a:p>
-        </p:txBody>
-      </p:sp>
-      <p:sp>
-        <p:nvSpPr>
-          <p:cNvPr id="4" name="Zástupný symbol pro zápatí 3">
-            <a:extLst>
-              <a:ext uri="{FF2B5EF4-FFF2-40B4-BE49-F238E27FC236}">
-                <a16:creationId xmlns:a16="http://schemas.microsoft.com/office/drawing/2014/main" id="{E8D52D09-4791-4DDC-A0C8-6BF718C6B590}"/>
-              </a:ext>
-            </a:extLst>
-          </p:cNvPr>
-          <p:cNvSpPr>
-            <a:spLocks noGrp="1"/>
-          </p:cNvSpPr>
-          <p:nvPr>
-            <p:ph type="ftr" sz="quarter" idx="11"/>
-          </p:nvPr>
-        </p:nvSpPr>
-        <p:spPr/>
-        <p:txBody>
-          <a:bodyPr/>
-          <a:lstStyle/>
-          <a:p>
-            <a:endParaRPr lang="cs-CZ"/>
-          </a:p>
-        </p:txBody>
-      </p:sp>
-    </p:spTree>
-    <p:extLst>
-      <p:ext uri="{BB962C8B-B14F-4D97-AF65-F5344CB8AC3E}">
-        <p14:creationId xmlns:p14="http://schemas.microsoft.com/office/powerpoint/2010/main" val="1985188364"/>
-      </p:ext>
-    </p:extLst>
-  </p:cSld>
-  <p:clrMapOvr>
-    <a:masterClrMapping/>
-  </p:clrMapOvr>
-</p:sld>
-</file>
-
 <file path=ppt/slides/slide19.xml><?xml version="1.0" encoding="utf-8"?>
 <p:sld xmlns:a="http://schemas.openxmlformats.org/drawingml/2006/main" xmlns:r="http://schemas.openxmlformats.org/officeDocument/2006/relationships" xmlns:p="http://schemas.openxmlformats.org/presentationml/2006/main">
   <p:cSld>
@@ -10524,73 +10532,122 @@
       </p:grpSpPr>
       <p:sp>
         <p:nvSpPr>
-          <p:cNvPr id="5" name="Nadpis 4"/>
+          <p:cNvPr id="2" name="Nadpis 1">
+            <a:extLst>
+              <a:ext uri="{FF2B5EF4-FFF2-40B4-BE49-F238E27FC236}">
+                <a16:creationId xmlns:a16="http://schemas.microsoft.com/office/drawing/2014/main" id="{52F99E0B-077F-405B-8955-1642989CA83A}"/>
+              </a:ext>
+            </a:extLst>
+          </p:cNvPr>
           <p:cNvSpPr>
             <a:spLocks noGrp="1"/>
           </p:cNvSpPr>
           <p:nvPr>
-            <p:ph type="ctrTitle"/>
+            <p:ph type="title"/>
           </p:nvPr>
         </p:nvSpPr>
         <p:spPr/>
         <p:txBody>
-          <a:bodyPr>
-            <a:normAutofit fontScale="90000"/>
-          </a:bodyPr>
+          <a:bodyPr/>
           <a:lstStyle/>
           <a:p>
-            <a:br>
+            <a:r>
               <a:rPr lang="cs-CZ" dirty="0"/>
-            </a:br>
+              <a:t>Úkol:</a:t>
+            </a:r>
+          </a:p>
+        </p:txBody>
+      </p:sp>
+      <p:sp>
+        <p:nvSpPr>
+          <p:cNvPr id="3" name="Zástupný symbol pro obsah 2">
+            <a:extLst>
+              <a:ext uri="{FF2B5EF4-FFF2-40B4-BE49-F238E27FC236}">
+                <a16:creationId xmlns:a16="http://schemas.microsoft.com/office/drawing/2014/main" id="{54BC1C07-78DA-43D6-9569-2A4F2851089D}"/>
+              </a:ext>
+            </a:extLst>
+          </p:cNvPr>
+          <p:cNvSpPr>
+            <a:spLocks noGrp="1"/>
+          </p:cNvSpPr>
+          <p:nvPr>
+            <p:ph idx="1"/>
+          </p:nvPr>
+        </p:nvSpPr>
+        <p:spPr/>
+        <p:txBody>
+          <a:bodyPr/>
+          <a:lstStyle/>
+          <a:p>
             <a:r>
               <a:rPr lang="cs-CZ" dirty="0"/>
-              <a:t>Za pozornost děkuje…</a:t>
-            </a:r>
-            <a:br>
+              <a:t>Stáhněte se </a:t>
+            </a:r>
+            <a:r>
+              <a:rPr lang="cs-CZ" dirty="0" err="1"/>
+              <a:t>excel</a:t>
+            </a:r>
+            <a:r>
               <a:rPr lang="cs-CZ" dirty="0"/>
-            </a:br>
-            <a:br>
+              <a:t> s výsledky názorové ankety mezi týmy </a:t>
+            </a:r>
+            <a:r>
+              <a:rPr lang="cs-CZ" dirty="0" err="1"/>
+              <a:t>Etnetera</a:t>
+            </a:r>
+            <a:r>
               <a:rPr lang="cs-CZ" dirty="0"/>
-            </a:br>
-            <a:r>
-              <a:rPr lang="cs-CZ" b="1" dirty="0"/>
-              <a:t>Člen týmu</a:t>
-            </a:r>
-            <a:br>
-              <a:rPr lang="en-US" dirty="0"/>
-            </a:br>
-            <a:r>
-              <a:rPr lang="cs-CZ" dirty="0" err="1">
-                <a:hlinkClick r:id="rId3"/>
-              </a:rPr>
-              <a:t>člen.tymu</a:t>
-            </a:r>
-            <a:r>
-              <a:rPr lang="en-US" dirty="0">
-                <a:hlinkClick r:id="rId3"/>
-              </a:rPr>
-              <a:t>@etnetera.cz</a:t>
-            </a:r>
-            <a:br>
-              <a:rPr lang="en-US" dirty="0"/>
-            </a:br>
-            <a:r>
-              <a:rPr lang="en-US" dirty="0"/>
-              <a:t>+420 </a:t>
-            </a:r>
+              <a:t> Group</a:t>
+            </a:r>
+          </a:p>
+          <a:p>
+            <a:endParaRPr lang="cs-CZ" dirty="0"/>
+          </a:p>
+          <a:p>
             <a:r>
               <a:rPr lang="cs-CZ" dirty="0"/>
-              <a:t>6XX XXX </a:t>
-            </a:r>
-            <a:r>
-              <a:rPr lang="cs-CZ" dirty="0" err="1"/>
-              <a:t>XXX</a:t>
-            </a:r>
-            <a:endParaRPr lang="en-US" dirty="0"/>
+              <a:t>Pokuste se vytvořit klasifikační síť, která nového uchazeče zařadí do jedné z firem.</a:t>
+            </a:r>
+          </a:p>
+          <a:p>
+            <a:pPr marL="0" indent="0">
+              <a:buNone/>
+            </a:pPr>
+            <a:endParaRPr lang="cs-CZ" dirty="0"/>
+          </a:p>
+        </p:txBody>
+      </p:sp>
+      <p:sp>
+        <p:nvSpPr>
+          <p:cNvPr id="4" name="Zástupný symbol pro zápatí 3">
+            <a:extLst>
+              <a:ext uri="{FF2B5EF4-FFF2-40B4-BE49-F238E27FC236}">
+                <a16:creationId xmlns:a16="http://schemas.microsoft.com/office/drawing/2014/main" id="{E8D52D09-4791-4DDC-A0C8-6BF718C6B590}"/>
+              </a:ext>
+            </a:extLst>
+          </p:cNvPr>
+          <p:cNvSpPr>
+            <a:spLocks noGrp="1"/>
+          </p:cNvSpPr>
+          <p:nvPr>
+            <p:ph type="ftr" sz="quarter" idx="11"/>
+          </p:nvPr>
+        </p:nvSpPr>
+        <p:spPr/>
+        <p:txBody>
+          <a:bodyPr/>
+          <a:lstStyle/>
+          <a:p>
+            <a:endParaRPr lang="cs-CZ"/>
           </a:p>
         </p:txBody>
       </p:sp>
     </p:spTree>
+    <p:extLst>
+      <p:ext uri="{BB962C8B-B14F-4D97-AF65-F5344CB8AC3E}">
+        <p14:creationId xmlns:p14="http://schemas.microsoft.com/office/powerpoint/2010/main" val="1985188364"/>
+      </p:ext>
+    </p:extLst>
   </p:cSld>
   <p:clrMapOvr>
     <a:masterClrMapping/>
@@ -10739,6 +10796,99 @@
         <p14:creationId xmlns:p14="http://schemas.microsoft.com/office/powerpoint/2010/main" val="3325339945"/>
       </p:ext>
     </p:extLst>
+  </p:cSld>
+  <p:clrMapOvr>
+    <a:masterClrMapping/>
+  </p:clrMapOvr>
+</p:sld>
+</file>
+
+<file path=ppt/slides/slide20.xml><?xml version="1.0" encoding="utf-8"?>
+<p:sld xmlns:a="http://schemas.openxmlformats.org/drawingml/2006/main" xmlns:r="http://schemas.openxmlformats.org/officeDocument/2006/relationships" xmlns:p="http://schemas.openxmlformats.org/presentationml/2006/main">
+  <p:cSld>
+    <p:spTree>
+      <p:nvGrpSpPr>
+        <p:cNvPr id="1" name=""/>
+        <p:cNvGrpSpPr/>
+        <p:nvPr/>
+      </p:nvGrpSpPr>
+      <p:grpSpPr>
+        <a:xfrm>
+          <a:off x="0" y="0"/>
+          <a:ext cx="0" cy="0"/>
+          <a:chOff x="0" y="0"/>
+          <a:chExt cx="0" cy="0"/>
+        </a:xfrm>
+      </p:grpSpPr>
+      <p:sp>
+        <p:nvSpPr>
+          <p:cNvPr id="5" name="Nadpis 4"/>
+          <p:cNvSpPr>
+            <a:spLocks noGrp="1"/>
+          </p:cNvSpPr>
+          <p:nvPr>
+            <p:ph type="ctrTitle"/>
+          </p:nvPr>
+        </p:nvSpPr>
+        <p:spPr/>
+        <p:txBody>
+          <a:bodyPr>
+            <a:normAutofit fontScale="90000"/>
+          </a:bodyPr>
+          <a:lstStyle/>
+          <a:p>
+            <a:br>
+              <a:rPr lang="cs-CZ" dirty="0"/>
+            </a:br>
+            <a:r>
+              <a:rPr lang="cs-CZ" dirty="0"/>
+              <a:t>Za pozornost děkuje…</a:t>
+            </a:r>
+            <a:br>
+              <a:rPr lang="cs-CZ" dirty="0"/>
+            </a:br>
+            <a:br>
+              <a:rPr lang="cs-CZ" dirty="0"/>
+            </a:br>
+            <a:r>
+              <a:rPr lang="cs-CZ" b="1" dirty="0"/>
+              <a:t>Člen týmu</a:t>
+            </a:r>
+            <a:br>
+              <a:rPr lang="en-US" dirty="0"/>
+            </a:br>
+            <a:r>
+              <a:rPr lang="cs-CZ" dirty="0" err="1">
+                <a:hlinkClick r:id="rId3"/>
+              </a:rPr>
+              <a:t>člen.tymu</a:t>
+            </a:r>
+            <a:r>
+              <a:rPr lang="en-US" dirty="0">
+                <a:hlinkClick r:id="rId3"/>
+              </a:rPr>
+              <a:t>@etnetera.cz</a:t>
+            </a:r>
+            <a:br>
+              <a:rPr lang="en-US" dirty="0"/>
+            </a:br>
+            <a:r>
+              <a:rPr lang="en-US" dirty="0"/>
+              <a:t>+420 </a:t>
+            </a:r>
+            <a:r>
+              <a:rPr lang="cs-CZ" dirty="0"/>
+              <a:t>6XX XXX </a:t>
+            </a:r>
+            <a:r>
+              <a:rPr lang="cs-CZ" dirty="0" err="1"/>
+              <a:t>XXX</a:t>
+            </a:r>
+            <a:endParaRPr lang="en-US" dirty="0"/>
+          </a:p>
+        </p:txBody>
+      </p:sp>
+    </p:spTree>
   </p:cSld>
   <p:clrMapOvr>
     <a:masterClrMapping/>
@@ -11835,7 +11985,15 @@
             </a:r>
             <a:r>
               <a:rPr lang="cs-CZ" dirty="0"/>
-              <a:t> analýzu dat, bez znalosti </a:t>
+              <a:t> analýz</a:t>
+            </a:r>
+            <a:r>
+              <a:rPr lang="en-US" dirty="0"/>
+              <a:t>y</a:t>
+            </a:r>
+            <a:r>
+              <a:rPr lang="cs-CZ" dirty="0"/>
+              <a:t> dat, bez znalosti </a:t>
             </a:r>
             <a:r>
               <a:rPr lang="en-US" dirty="0" err="1"/>
@@ -11876,8 +12034,12 @@
           </a:p>
           <a:p>
             <a:r>
+              <a:rPr lang="cs-CZ" b="1" dirty="0"/>
+              <a:t>Model </a:t>
+            </a:r>
+            <a:r>
               <a:rPr lang="cs-CZ" dirty="0"/>
-              <a:t>Model je standardizovaný algoritmus, který dostane data na vstup a na výstupu rychle vypadne výsledek. Neprogramuje se, jen se </a:t>
+              <a:t>je standardizovaný algoritmus, který dostane data na vstup a na výstupu rychle vypadne výsledek. Neprogramuje se, jen se </a:t>
             </a:r>
             <a:r>
               <a:rPr lang="cs-CZ" b="1" dirty="0"/>
